--- a/clases/Cap04_Clasificacion/presentations/PAT04_NeuralNetworks.pptx
+++ b/clases/Cap04_Clasificacion/presentations/PAT04_NeuralNetworks.pptx
@@ -4217,17 +4217,6 @@
           </a:p>
           <a:p>
             <a:pPr algn="ctr"/>
-            <a:r>
-              <a:rPr lang="es-CL" sz="1200" smtClean="0">
-                <a:solidFill>
-                  <a:schemeClr val="bg1">
-                    <a:lumMod val="75000"/>
-                  </a:schemeClr>
-                </a:solidFill>
-                <a:latin typeface="Trebuchet MS" pitchFamily="34" charset="0"/>
-              </a:rPr>
-              <a:t>Semestre 2018-1</a:t>
-            </a:r>
             <a:endParaRPr lang="en-US" sz="1200" dirty="0">
               <a:solidFill>
                 <a:schemeClr val="bg1">
@@ -7033,21 +7022,7 @@
                 <a:latin typeface="Trebuchet MS"/>
                 <a:cs typeface="Trebuchet MS"/>
               </a:rPr>
-              <a:t>0) </a:t>
-            </a:r>
-            <a:r>
-              <a:rPr lang="en-US" sz="3200" dirty="0" smtClean="0">
-                <a:latin typeface="Trebuchet MS"/>
-                <a:cs typeface="Trebuchet MS"/>
-              </a:rPr>
-              <a:t>Starting </a:t>
-            </a:r>
-            <a:r>
-              <a:rPr lang="en-US" sz="3200" dirty="0" smtClean="0">
-                <a:latin typeface="Trebuchet MS"/>
-                <a:cs typeface="Trebuchet MS"/>
-              </a:rPr>
-              <a:t>values for</a:t>
+              <a:t>0) Starting values for</a:t>
             </a:r>
           </a:p>
           <a:p>

--- a/clases/Cap04_Clasificacion/presentations/PAT04_NeuralNetworks.pptx
+++ b/clases/Cap04_Clasificacion/presentations/PAT04_NeuralNetworks.pptx
@@ -7133,7 +7133,21 @@
                 <a:latin typeface="Trebuchet MS"/>
                 <a:cs typeface="Trebuchet MS"/>
               </a:rPr>
-              <a:t>(until convergence)</a:t>
+              <a:t>(</a:t>
+            </a:r>
+            <a:r>
+              <a:rPr lang="en-US" smtClean="0">
+                <a:latin typeface="Trebuchet MS"/>
+                <a:cs typeface="Trebuchet MS"/>
+              </a:rPr>
+              <a:t>repeat from step 1 until </a:t>
+            </a:r>
+            <a:r>
+              <a:rPr lang="en-US" dirty="0" smtClean="0">
+                <a:latin typeface="Trebuchet MS"/>
+                <a:cs typeface="Trebuchet MS"/>
+              </a:rPr>
+              <a:t>convergence)</a:t>
             </a:r>
           </a:p>
         </p:txBody>

--- a/clases/Cap04_Clasificacion/presentations/PAT04_NeuralNetworks.pptx
+++ b/clases/Cap04_Clasificacion/presentations/PAT04_NeuralNetworks.pptx
@@ -5,18 +5,20 @@
     <p:sldMasterId id="2147483648" r:id="rId1"/>
   </p:sldMasterIdLst>
   <p:notesMasterIdLst>
-    <p:notesMasterId r:id="rId11"/>
+    <p:notesMasterId r:id="rId13"/>
   </p:notesMasterIdLst>
   <p:sldIdLst>
     <p:sldId id="301" r:id="rId2"/>
     <p:sldId id="282" r:id="rId3"/>
     <p:sldId id="302" r:id="rId4"/>
     <p:sldId id="303" r:id="rId5"/>
-    <p:sldId id="308" r:id="rId6"/>
-    <p:sldId id="311" r:id="rId7"/>
-    <p:sldId id="313" r:id="rId8"/>
-    <p:sldId id="309" r:id="rId9"/>
-    <p:sldId id="304" r:id="rId10"/>
+    <p:sldId id="314" r:id="rId6"/>
+    <p:sldId id="315" r:id="rId7"/>
+    <p:sldId id="308" r:id="rId8"/>
+    <p:sldId id="311" r:id="rId9"/>
+    <p:sldId id="313" r:id="rId10"/>
+    <p:sldId id="309" r:id="rId11"/>
+    <p:sldId id="304" r:id="rId12"/>
   </p:sldIdLst>
   <p:sldSz cx="9144000" cy="6858000" type="screen4x3"/>
   <p:notesSz cx="6858000" cy="9144000"/>
@@ -5062,6 +5064,533 @@
       <p:bldP spid="9" grpId="0" animBg="1"/>
       <p:bldP spid="10" grpId="0"/>
     </p:bldLst>
+  </p:timing>
+</p:sld>
+</file>
+
+<file path=ppt/slides/slide10.xml><?xml version="1.0" encoding="utf-8"?>
+<p:sld xmlns:a="http://schemas.openxmlformats.org/drawingml/2006/main" xmlns:r="http://schemas.openxmlformats.org/officeDocument/2006/relationships" xmlns:p="http://schemas.openxmlformats.org/presentationml/2006/main">
+  <p:cSld>
+    <p:spTree>
+      <p:nvGrpSpPr>
+        <p:cNvPr id="1" name=""/>
+        <p:cNvGrpSpPr/>
+        <p:nvPr/>
+      </p:nvGrpSpPr>
+      <p:grpSpPr>
+        <a:xfrm>
+          <a:off x="0" y="0"/>
+          <a:ext cx="0" cy="0"/>
+          <a:chOff x="0" y="0"/>
+          <a:chExt cx="0" cy="0"/>
+        </a:xfrm>
+      </p:grpSpPr>
+      <p:sp>
+        <p:nvSpPr>
+          <p:cNvPr id="4" name="TextBox 3"/>
+          <p:cNvSpPr txBox="1"/>
+          <p:nvPr/>
+        </p:nvSpPr>
+        <p:spPr>
+          <a:xfrm>
+            <a:off x="344447" y="344379"/>
+            <a:ext cx="8509661" cy="584776"/>
+          </a:xfrm>
+          <a:prstGeom prst="rect">
+            <a:avLst/>
+          </a:prstGeom>
+          <a:noFill/>
+        </p:spPr>
+        <p:txBody>
+          <a:bodyPr wrap="none" rtlCol="0">
+            <a:spAutoFit/>
+          </a:bodyPr>
+          <a:lstStyle/>
+          <a:p>
+            <a:r>
+              <a:rPr lang="en-US" sz="3200" dirty="0" smtClean="0">
+                <a:latin typeface="Trebuchet MS"/>
+                <a:cs typeface="Trebuchet MS"/>
+              </a:rPr>
+              <a:t>Using gradient descent at the (r+1) iteration:</a:t>
+            </a:r>
+          </a:p>
+        </p:txBody>
+      </p:sp>
+      <p:pic>
+        <p:nvPicPr>
+          <p:cNvPr id="5" name="Picture 4" descr="Screen Shot 2016-05-03 at 10.28.33 AM.png"/>
+          <p:cNvPicPr>
+            <a:picLocks noChangeAspect="1"/>
+          </p:cNvPicPr>
+          <p:nvPr/>
+        </p:nvPicPr>
+        <p:blipFill>
+          <a:blip r:embed="rId2">
+            <a:extLst>
+              <a:ext uri="{28A0092B-C50C-407E-A947-70E740481C1C}">
+                <a14:useLocalDpi xmlns:a14="http://schemas.microsoft.com/office/drawing/2010/main" val="0"/>
+              </a:ext>
+            </a:extLst>
+          </a:blip>
+          <a:stretch>
+            <a:fillRect/>
+          </a:stretch>
+        </p:blipFill>
+        <p:spPr>
+          <a:xfrm>
+            <a:off x="859526" y="1799398"/>
+            <a:ext cx="7219475" cy="4015109"/>
+          </a:xfrm>
+          <a:prstGeom prst="rect">
+            <a:avLst/>
+          </a:prstGeom>
+        </p:spPr>
+      </p:pic>
+      <p:sp>
+        <p:nvSpPr>
+          <p:cNvPr id="6" name="TextBox 5"/>
+          <p:cNvSpPr txBox="1"/>
+          <p:nvPr/>
+        </p:nvSpPr>
+        <p:spPr>
+          <a:xfrm>
+            <a:off x="1922732" y="6209687"/>
+            <a:ext cx="1570337" cy="369332"/>
+          </a:xfrm>
+          <a:prstGeom prst="rect">
+            <a:avLst/>
+          </a:prstGeom>
+          <a:noFill/>
+        </p:spPr>
+        <p:txBody>
+          <a:bodyPr wrap="none" rtlCol="0">
+            <a:spAutoFit/>
+          </a:bodyPr>
+          <a:lstStyle/>
+          <a:p>
+            <a:r>
+              <a:rPr lang="en-US" dirty="0" smtClean="0">
+                <a:latin typeface="Trebuchet MS"/>
+                <a:cs typeface="Trebuchet MS"/>
+              </a:rPr>
+              <a:t>Learning rate</a:t>
+            </a:r>
+            <a:endParaRPr lang="en-US" dirty="0">
+              <a:latin typeface="Trebuchet MS"/>
+              <a:cs typeface="Trebuchet MS"/>
+            </a:endParaRPr>
+          </a:p>
+        </p:txBody>
+      </p:sp>
+      <p:cxnSp>
+        <p:nvCxnSpPr>
+          <p:cNvPr id="11" name="Straight Arrow Connector 10"/>
+          <p:cNvCxnSpPr/>
+          <p:nvPr/>
+        </p:nvCxnSpPr>
+        <p:spPr>
+          <a:xfrm flipH="1">
+            <a:off x="3386830" y="4992448"/>
+            <a:ext cx="1569937" cy="1111393"/>
+          </a:xfrm>
+          <a:prstGeom prst="straightConnector1">
+            <a:avLst/>
+          </a:prstGeom>
+          <a:ln>
+            <a:tailEnd type="arrow"/>
+          </a:ln>
+        </p:spPr>
+        <p:style>
+          <a:lnRef idx="2">
+            <a:schemeClr val="accent1"/>
+          </a:lnRef>
+          <a:fillRef idx="0">
+            <a:schemeClr val="accent1"/>
+          </a:fillRef>
+          <a:effectRef idx="1">
+            <a:schemeClr val="accent1"/>
+          </a:effectRef>
+          <a:fontRef idx="minor">
+            <a:schemeClr val="tx1"/>
+          </a:fontRef>
+        </p:style>
+      </p:cxnSp>
+    </p:spTree>
+    <p:extLst>
+      <p:ext uri="{BB962C8B-B14F-4D97-AF65-F5344CB8AC3E}">
+        <p14:creationId xmlns:p14="http://schemas.microsoft.com/office/powerpoint/2010/main" val="2243568549"/>
+      </p:ext>
+    </p:extLst>
+  </p:cSld>
+  <p:clrMapOvr>
+    <a:masterClrMapping/>
+  </p:clrMapOvr>
+  <p:timing>
+    <p:tnLst>
+      <p:par>
+        <p:cTn id="1" dur="indefinite" restart="never" nodeType="tmRoot"/>
+      </p:par>
+    </p:tnLst>
+  </p:timing>
+</p:sld>
+</file>
+
+<file path=ppt/slides/slide11.xml><?xml version="1.0" encoding="utf-8"?>
+<p:sld xmlns:a="http://schemas.openxmlformats.org/drawingml/2006/main" xmlns:r="http://schemas.openxmlformats.org/officeDocument/2006/relationships" xmlns:p="http://schemas.openxmlformats.org/presentationml/2006/main">
+  <p:cSld>
+    <p:spTree>
+      <p:nvGrpSpPr>
+        <p:cNvPr id="1" name=""/>
+        <p:cNvGrpSpPr/>
+        <p:nvPr/>
+      </p:nvGrpSpPr>
+      <p:grpSpPr>
+        <a:xfrm>
+          <a:off x="0" y="0"/>
+          <a:ext cx="0" cy="0"/>
+          <a:chOff x="0" y="0"/>
+          <a:chExt cx="0" cy="0"/>
+        </a:xfrm>
+      </p:grpSpPr>
+      <p:sp>
+        <p:nvSpPr>
+          <p:cNvPr id="2" name="TextBox 1"/>
+          <p:cNvSpPr txBox="1"/>
+          <p:nvPr/>
+        </p:nvSpPr>
+        <p:spPr>
+          <a:xfrm>
+            <a:off x="344447" y="-26082"/>
+            <a:ext cx="5344733" cy="6832640"/>
+          </a:xfrm>
+          <a:prstGeom prst="rect">
+            <a:avLst/>
+          </a:prstGeom>
+          <a:noFill/>
+        </p:spPr>
+        <p:txBody>
+          <a:bodyPr wrap="none" rtlCol="0">
+            <a:spAutoFit/>
+          </a:bodyPr>
+          <a:lstStyle/>
+          <a:p>
+            <a:r>
+              <a:rPr lang="en-US" sz="3200" dirty="0" smtClean="0">
+                <a:latin typeface="Trebuchet MS"/>
+                <a:cs typeface="Trebuchet MS"/>
+              </a:rPr>
+              <a:t>Back-propagation:</a:t>
+            </a:r>
+          </a:p>
+          <a:p>
+            <a:endParaRPr lang="en-US" sz="3200" dirty="0" smtClean="0">
+              <a:latin typeface="Trebuchet MS"/>
+              <a:cs typeface="Trebuchet MS"/>
+            </a:endParaRPr>
+          </a:p>
+          <a:p>
+            <a:r>
+              <a:rPr lang="en-US" sz="3200" dirty="0" smtClean="0">
+                <a:latin typeface="Trebuchet MS"/>
+                <a:cs typeface="Trebuchet MS"/>
+              </a:rPr>
+              <a:t>0) Starting values for</a:t>
+            </a:r>
+          </a:p>
+          <a:p>
+            <a:endParaRPr lang="en-US" sz="3200" dirty="0" smtClean="0">
+              <a:latin typeface="Trebuchet MS"/>
+              <a:cs typeface="Trebuchet MS"/>
+            </a:endParaRPr>
+          </a:p>
+          <a:p>
+            <a:pPr marL="514350" indent="-514350">
+              <a:buAutoNum type="arabicParenR"/>
+            </a:pPr>
+            <a:r>
+              <a:rPr lang="en-US" sz="3200" dirty="0" smtClean="0">
+                <a:latin typeface="Trebuchet MS"/>
+                <a:cs typeface="Trebuchet MS"/>
+              </a:rPr>
+              <a:t>Computation of         and</a:t>
+            </a:r>
+          </a:p>
+          <a:p>
+            <a:pPr marL="514350" indent="-514350">
+              <a:buAutoNum type="arabicParenR"/>
+            </a:pPr>
+            <a:endParaRPr lang="en-US" sz="3200" dirty="0">
+              <a:latin typeface="Trebuchet MS"/>
+              <a:cs typeface="Trebuchet MS"/>
+            </a:endParaRPr>
+          </a:p>
+          <a:p>
+            <a:pPr marL="514350" indent="-514350">
+              <a:buAutoNum type="arabicParenR"/>
+            </a:pPr>
+            <a:r>
+              <a:rPr lang="en-US" sz="3200" dirty="0" smtClean="0">
+                <a:latin typeface="Trebuchet MS"/>
+                <a:cs typeface="Trebuchet MS"/>
+              </a:rPr>
+              <a:t>Computation of        and</a:t>
+            </a:r>
+          </a:p>
+          <a:p>
+            <a:pPr marL="514350" indent="-514350">
+              <a:buAutoNum type="arabicParenR"/>
+            </a:pPr>
+            <a:endParaRPr lang="en-US" sz="3200" dirty="0">
+              <a:latin typeface="Trebuchet MS"/>
+              <a:cs typeface="Trebuchet MS"/>
+            </a:endParaRPr>
+          </a:p>
+          <a:p>
+            <a:pPr marL="514350" indent="-514350">
+              <a:buAutoNum type="arabicParenR"/>
+            </a:pPr>
+            <a:r>
+              <a:rPr lang="en-US" sz="3200" dirty="0" smtClean="0">
+                <a:latin typeface="Trebuchet MS"/>
+                <a:cs typeface="Trebuchet MS"/>
+              </a:rPr>
+              <a:t>Computation of</a:t>
+            </a:r>
+          </a:p>
+          <a:p>
+            <a:pPr marL="514350" indent="-514350">
+              <a:buAutoNum type="arabicParenR"/>
+            </a:pPr>
+            <a:endParaRPr lang="en-US" sz="3200" dirty="0">
+              <a:latin typeface="Trebuchet MS"/>
+              <a:cs typeface="Trebuchet MS"/>
+            </a:endParaRPr>
+          </a:p>
+          <a:p>
+            <a:pPr marL="514350" indent="-514350">
+              <a:buAutoNum type="arabicParenR"/>
+            </a:pPr>
+            <a:r>
+              <a:rPr lang="en-US" sz="3200" dirty="0" smtClean="0">
+                <a:latin typeface="Trebuchet MS"/>
+                <a:cs typeface="Trebuchet MS"/>
+              </a:rPr>
+              <a:t> Computation of </a:t>
+            </a:r>
+          </a:p>
+          <a:p>
+            <a:pPr marL="514350" indent="-514350">
+              <a:buAutoNum type="arabicParenR"/>
+            </a:pPr>
+            <a:endParaRPr lang="en-US" sz="3200" dirty="0">
+              <a:latin typeface="Trebuchet MS"/>
+              <a:cs typeface="Trebuchet MS"/>
+            </a:endParaRPr>
+          </a:p>
+          <a:p>
+            <a:endParaRPr lang="en-US" dirty="0" smtClean="0">
+              <a:latin typeface="Trebuchet MS"/>
+              <a:cs typeface="Trebuchet MS"/>
+            </a:endParaRPr>
+          </a:p>
+          <a:p>
+            <a:endParaRPr lang="en-US" dirty="0" smtClean="0">
+              <a:latin typeface="Trebuchet MS"/>
+              <a:cs typeface="Trebuchet MS"/>
+            </a:endParaRPr>
+          </a:p>
+          <a:p>
+            <a:r>
+              <a:rPr lang="en-US" dirty="0" smtClean="0">
+                <a:latin typeface="Trebuchet MS"/>
+                <a:cs typeface="Trebuchet MS"/>
+              </a:rPr>
+              <a:t>(repeat from step 1 until </a:t>
+            </a:r>
+            <a:r>
+              <a:rPr lang="en-US" dirty="0" smtClean="0">
+                <a:latin typeface="Trebuchet MS"/>
+                <a:cs typeface="Trebuchet MS"/>
+              </a:rPr>
+              <a:t>convergence)</a:t>
+            </a:r>
+          </a:p>
+        </p:txBody>
+      </p:sp>
+      <p:pic>
+        <p:nvPicPr>
+          <p:cNvPr id="3" name="Picture 2"/>
+          <p:cNvPicPr>
+            <a:picLocks noChangeAspect="1"/>
+          </p:cNvPicPr>
+          <p:nvPr/>
+        </p:nvPicPr>
+        <p:blipFill>
+          <a:blip r:embed="rId2"/>
+          <a:stretch>
+            <a:fillRect/>
+          </a:stretch>
+        </p:blipFill>
+        <p:spPr>
+          <a:xfrm>
+            <a:off x="4447866" y="871076"/>
+            <a:ext cx="2070100" cy="635000"/>
+          </a:xfrm>
+          <a:prstGeom prst="rect">
+            <a:avLst/>
+          </a:prstGeom>
+        </p:spPr>
+      </p:pic>
+      <p:pic>
+        <p:nvPicPr>
+          <p:cNvPr id="4" name="Picture 3"/>
+          <p:cNvPicPr>
+            <a:picLocks noChangeAspect="1"/>
+          </p:cNvPicPr>
+          <p:nvPr/>
+        </p:nvPicPr>
+        <p:blipFill>
+          <a:blip r:embed="rId3"/>
+          <a:stretch>
+            <a:fillRect/>
+          </a:stretch>
+        </p:blipFill>
+        <p:spPr>
+          <a:xfrm>
+            <a:off x="5751800" y="1988105"/>
+            <a:ext cx="1155700" cy="469900"/>
+          </a:xfrm>
+          <a:prstGeom prst="rect">
+            <a:avLst/>
+          </a:prstGeom>
+        </p:spPr>
+      </p:pic>
+      <p:pic>
+        <p:nvPicPr>
+          <p:cNvPr id="5" name="Picture 4"/>
+          <p:cNvPicPr>
+            <a:picLocks noChangeAspect="1"/>
+          </p:cNvPicPr>
+          <p:nvPr/>
+        </p:nvPicPr>
+        <p:blipFill>
+          <a:blip r:embed="rId4"/>
+          <a:stretch>
+            <a:fillRect/>
+          </a:stretch>
+        </p:blipFill>
+        <p:spPr>
+          <a:xfrm>
+            <a:off x="3994840" y="2124994"/>
+            <a:ext cx="647700" cy="279400"/>
+          </a:xfrm>
+          <a:prstGeom prst="rect">
+            <a:avLst/>
+          </a:prstGeom>
+        </p:spPr>
+      </p:pic>
+      <p:pic>
+        <p:nvPicPr>
+          <p:cNvPr id="6" name="Picture 5"/>
+          <p:cNvPicPr>
+            <a:picLocks noChangeAspect="1"/>
+          </p:cNvPicPr>
+          <p:nvPr/>
+        </p:nvPicPr>
+        <p:blipFill>
+          <a:blip r:embed="rId5"/>
+          <a:stretch>
+            <a:fillRect/>
+          </a:stretch>
+        </p:blipFill>
+        <p:spPr>
+          <a:xfrm>
+            <a:off x="3988530" y="2996467"/>
+            <a:ext cx="2260600" cy="406400"/>
+          </a:xfrm>
+          <a:prstGeom prst="rect">
+            <a:avLst/>
+          </a:prstGeom>
+        </p:spPr>
+      </p:pic>
+      <p:pic>
+        <p:nvPicPr>
+          <p:cNvPr id="7" name="Picture 6" descr="Screen Shot 2016-05-03 at 10.37.05 AM.png"/>
+          <p:cNvPicPr>
+            <a:picLocks/>
+          </p:cNvPicPr>
+          <p:nvPr/>
+        </p:nvPicPr>
+        <p:blipFill>
+          <a:blip r:embed="rId6">
+            <a:alphaModFix/>
+            <a:extLst>
+              <a:ext uri="{28A0092B-C50C-407E-A947-70E740481C1C}">
+                <a14:useLocalDpi xmlns:a14="http://schemas.microsoft.com/office/drawing/2010/main" val="0"/>
+              </a:ext>
+            </a:extLst>
+          </a:blip>
+          <a:stretch>
+            <a:fillRect/>
+          </a:stretch>
+        </p:blipFill>
+        <p:spPr>
+          <a:xfrm>
+            <a:off x="4205166" y="3475313"/>
+            <a:ext cx="1580670" cy="1393652"/>
+          </a:xfrm>
+          <a:prstGeom prst="rect">
+            <a:avLst/>
+          </a:prstGeom>
+        </p:spPr>
+      </p:pic>
+      <p:pic>
+        <p:nvPicPr>
+          <p:cNvPr id="8" name="Picture 7" descr="Screen Shot 2016-05-03 at 10.28.33 AM.png"/>
+          <p:cNvPicPr>
+            <a:picLocks noChangeAspect="1"/>
+          </p:cNvPicPr>
+          <p:nvPr/>
+        </p:nvPicPr>
+        <p:blipFill>
+          <a:blip r:embed="rId7">
+            <a:extLst>
+              <a:ext uri="{28A0092B-C50C-407E-A947-70E740481C1C}">
+                <a14:useLocalDpi xmlns:a14="http://schemas.microsoft.com/office/drawing/2010/main" val="0"/>
+              </a:ext>
+            </a:extLst>
+          </a:blip>
+          <a:stretch>
+            <a:fillRect/>
+          </a:stretch>
+        </p:blipFill>
+        <p:spPr>
+          <a:xfrm>
+            <a:off x="3981761" y="4866152"/>
+            <a:ext cx="2915378" cy="1621387"/>
+          </a:xfrm>
+          <a:prstGeom prst="rect">
+            <a:avLst/>
+          </a:prstGeom>
+        </p:spPr>
+      </p:pic>
+    </p:spTree>
+    <p:extLst>
+      <p:ext uri="{BB962C8B-B14F-4D97-AF65-F5344CB8AC3E}">
+        <p14:creationId xmlns:p14="http://schemas.microsoft.com/office/powerpoint/2010/main" val="1095160"/>
+      </p:ext>
+    </p:extLst>
+  </p:cSld>
+  <p:clrMapOvr>
+    <a:masterClrMapping/>
+  </p:clrMapOvr>
+  <p:timing>
+    <p:tnLst>
+      <p:par>
+        <p:cTn id="1" dur="indefinite" restart="never" nodeType="tmRoot"/>
+      </p:par>
+    </p:tnLst>
   </p:timing>
 </p:sld>
 </file>
@@ -5787,6 +6316,514 @@
         <p:spPr>
           <a:xfrm>
             <a:off x="344447" y="344379"/>
+            <a:ext cx="8509661" cy="584776"/>
+          </a:xfrm>
+          <a:prstGeom prst="rect">
+            <a:avLst/>
+          </a:prstGeom>
+          <a:noFill/>
+        </p:spPr>
+        <p:txBody>
+          <a:bodyPr wrap="none" rtlCol="0">
+            <a:spAutoFit/>
+          </a:bodyPr>
+          <a:lstStyle/>
+          <a:p>
+            <a:r>
+              <a:rPr lang="en-US" sz="3200" dirty="0" smtClean="0">
+                <a:latin typeface="Trebuchet MS"/>
+                <a:cs typeface="Trebuchet MS"/>
+              </a:rPr>
+              <a:t>Using gradient descent at the (r+1) iteration:</a:t>
+            </a:r>
+          </a:p>
+        </p:txBody>
+      </p:sp>
+      <p:pic>
+        <p:nvPicPr>
+          <p:cNvPr id="5" name="Picture 4" descr="Screen Shot 2016-05-03 at 10.28.33 AM.png"/>
+          <p:cNvPicPr>
+            <a:picLocks noChangeAspect="1"/>
+          </p:cNvPicPr>
+          <p:nvPr/>
+        </p:nvPicPr>
+        <p:blipFill>
+          <a:blip r:embed="rId2">
+            <a:extLst>
+              <a:ext uri="{28A0092B-C50C-407E-A947-70E740481C1C}">
+                <a14:useLocalDpi xmlns:a14="http://schemas.microsoft.com/office/drawing/2010/main" val="0"/>
+              </a:ext>
+            </a:extLst>
+          </a:blip>
+          <a:stretch>
+            <a:fillRect/>
+          </a:stretch>
+        </p:blipFill>
+        <p:spPr>
+          <a:xfrm>
+            <a:off x="859526" y="1799398"/>
+            <a:ext cx="7219475" cy="4015109"/>
+          </a:xfrm>
+          <a:prstGeom prst="rect">
+            <a:avLst/>
+          </a:prstGeom>
+        </p:spPr>
+      </p:pic>
+      <p:sp>
+        <p:nvSpPr>
+          <p:cNvPr id="6" name="TextBox 5"/>
+          <p:cNvSpPr txBox="1"/>
+          <p:nvPr/>
+        </p:nvSpPr>
+        <p:spPr>
+          <a:xfrm>
+            <a:off x="1922732" y="6209687"/>
+            <a:ext cx="1570337" cy="369332"/>
+          </a:xfrm>
+          <a:prstGeom prst="rect">
+            <a:avLst/>
+          </a:prstGeom>
+          <a:noFill/>
+        </p:spPr>
+        <p:txBody>
+          <a:bodyPr wrap="none" rtlCol="0">
+            <a:spAutoFit/>
+          </a:bodyPr>
+          <a:lstStyle/>
+          <a:p>
+            <a:r>
+              <a:rPr lang="en-US" dirty="0" smtClean="0">
+                <a:latin typeface="Trebuchet MS"/>
+                <a:cs typeface="Trebuchet MS"/>
+              </a:rPr>
+              <a:t>Learning rate</a:t>
+            </a:r>
+            <a:endParaRPr lang="en-US" dirty="0">
+              <a:latin typeface="Trebuchet MS"/>
+              <a:cs typeface="Trebuchet MS"/>
+            </a:endParaRPr>
+          </a:p>
+        </p:txBody>
+      </p:sp>
+      <p:cxnSp>
+        <p:nvCxnSpPr>
+          <p:cNvPr id="11" name="Straight Arrow Connector 10"/>
+          <p:cNvCxnSpPr/>
+          <p:nvPr/>
+        </p:nvCxnSpPr>
+        <p:spPr>
+          <a:xfrm flipH="1">
+            <a:off x="3386830" y="4992448"/>
+            <a:ext cx="1569937" cy="1111393"/>
+          </a:xfrm>
+          <a:prstGeom prst="straightConnector1">
+            <a:avLst/>
+          </a:prstGeom>
+          <a:ln>
+            <a:tailEnd type="arrow"/>
+          </a:ln>
+        </p:spPr>
+        <p:style>
+          <a:lnRef idx="2">
+            <a:schemeClr val="accent1"/>
+          </a:lnRef>
+          <a:fillRef idx="0">
+            <a:schemeClr val="accent1"/>
+          </a:fillRef>
+          <a:effectRef idx="1">
+            <a:schemeClr val="accent1"/>
+          </a:effectRef>
+          <a:fontRef idx="minor">
+            <a:schemeClr val="tx1"/>
+          </a:fontRef>
+        </p:style>
+      </p:cxnSp>
+    </p:spTree>
+    <p:extLst>
+      <p:ext uri="{BB962C8B-B14F-4D97-AF65-F5344CB8AC3E}">
+        <p14:creationId xmlns:p14="http://schemas.microsoft.com/office/powerpoint/2010/main" val="1467913104"/>
+      </p:ext>
+    </p:extLst>
+  </p:cSld>
+  <p:clrMapOvr>
+    <a:masterClrMapping/>
+  </p:clrMapOvr>
+  <p:timing>
+    <p:tnLst>
+      <p:par>
+        <p:cTn id="1" dur="indefinite" restart="never" nodeType="tmRoot"/>
+      </p:par>
+    </p:tnLst>
+  </p:timing>
+</p:sld>
+</file>
+
+<file path=ppt/slides/slide6.xml><?xml version="1.0" encoding="utf-8"?>
+<p:sld xmlns:a="http://schemas.openxmlformats.org/drawingml/2006/main" xmlns:r="http://schemas.openxmlformats.org/officeDocument/2006/relationships" xmlns:p="http://schemas.openxmlformats.org/presentationml/2006/main">
+  <p:cSld>
+    <p:spTree>
+      <p:nvGrpSpPr>
+        <p:cNvPr id="1" name=""/>
+        <p:cNvGrpSpPr/>
+        <p:nvPr/>
+      </p:nvGrpSpPr>
+      <p:grpSpPr>
+        <a:xfrm>
+          <a:off x="0" y="0"/>
+          <a:ext cx="0" cy="0"/>
+          <a:chOff x="0" y="0"/>
+          <a:chExt cx="0" cy="0"/>
+        </a:xfrm>
+      </p:grpSpPr>
+      <p:sp>
+        <p:nvSpPr>
+          <p:cNvPr id="2" name="TextBox 1"/>
+          <p:cNvSpPr txBox="1"/>
+          <p:nvPr/>
+        </p:nvSpPr>
+        <p:spPr>
+          <a:xfrm>
+            <a:off x="344447" y="-26082"/>
+            <a:ext cx="4216219" cy="6832640"/>
+          </a:xfrm>
+          <a:prstGeom prst="rect">
+            <a:avLst/>
+          </a:prstGeom>
+          <a:noFill/>
+        </p:spPr>
+        <p:txBody>
+          <a:bodyPr wrap="none" rtlCol="0">
+            <a:spAutoFit/>
+          </a:bodyPr>
+          <a:lstStyle/>
+          <a:p>
+            <a:r>
+              <a:rPr lang="en-US" sz="3200" dirty="0" smtClean="0">
+                <a:latin typeface="Trebuchet MS"/>
+                <a:cs typeface="Trebuchet MS"/>
+              </a:rPr>
+              <a:t>Back-propagation:</a:t>
+            </a:r>
+          </a:p>
+          <a:p>
+            <a:endParaRPr lang="en-US" sz="3200" dirty="0" smtClean="0">
+              <a:latin typeface="Trebuchet MS"/>
+              <a:cs typeface="Trebuchet MS"/>
+            </a:endParaRPr>
+          </a:p>
+          <a:p>
+            <a:r>
+              <a:rPr lang="en-US" sz="3200" dirty="0" smtClean="0">
+                <a:latin typeface="Trebuchet MS"/>
+                <a:cs typeface="Trebuchet MS"/>
+              </a:rPr>
+              <a:t>0) Starting values </a:t>
+            </a:r>
+            <a:r>
+              <a:rPr lang="en-US" sz="3200" dirty="0" smtClean="0">
+                <a:latin typeface="Trebuchet MS"/>
+                <a:cs typeface="Trebuchet MS"/>
+              </a:rPr>
+              <a:t>for</a:t>
+            </a:r>
+          </a:p>
+          <a:p>
+            <a:r>
+              <a:rPr lang="en-US" sz="3200" dirty="0" smtClean="0">
+                <a:latin typeface="Trebuchet MS"/>
+                <a:cs typeface="Trebuchet MS"/>
+              </a:rPr>
+              <a:t>      </a:t>
+            </a:r>
+            <a:endParaRPr lang="en-US" sz="3200" dirty="0" smtClean="0">
+              <a:latin typeface="Trebuchet MS"/>
+              <a:cs typeface="Trebuchet MS"/>
+            </a:endParaRPr>
+          </a:p>
+          <a:p>
+            <a:pPr marL="514350" indent="-514350">
+              <a:buAutoNum type="arabicParenR"/>
+            </a:pPr>
+            <a:endParaRPr lang="en-US" sz="3200" dirty="0">
+              <a:latin typeface="Trebuchet MS"/>
+              <a:cs typeface="Trebuchet MS"/>
+            </a:endParaRPr>
+          </a:p>
+          <a:p>
+            <a:pPr marL="514350" indent="-514350">
+              <a:buAutoNum type="arabicParenR"/>
+            </a:pPr>
+            <a:r>
+              <a:rPr lang="en-US" sz="3200" dirty="0" smtClean="0">
+                <a:latin typeface="Trebuchet MS"/>
+                <a:cs typeface="Trebuchet MS"/>
+              </a:rPr>
+              <a:t>Computation of  </a:t>
+            </a:r>
+          </a:p>
+          <a:p>
+            <a:pPr marL="514350" indent="-514350">
+              <a:buAutoNum type="arabicParenR"/>
+            </a:pPr>
+            <a:endParaRPr lang="en-US" sz="3200" dirty="0">
+              <a:latin typeface="Trebuchet MS"/>
+              <a:cs typeface="Trebuchet MS"/>
+            </a:endParaRPr>
+          </a:p>
+          <a:p>
+            <a:pPr marL="514350" indent="-514350">
+              <a:buAutoNum type="arabicParenR"/>
+            </a:pPr>
+            <a:endParaRPr lang="en-US" sz="3200" dirty="0">
+              <a:latin typeface="Trebuchet MS"/>
+              <a:cs typeface="Trebuchet MS"/>
+            </a:endParaRPr>
+          </a:p>
+          <a:p>
+            <a:pPr marL="514350" indent="-514350">
+              <a:buAutoNum type="arabicParenR"/>
+            </a:pPr>
+            <a:endParaRPr lang="en-US" sz="3200" dirty="0">
+              <a:latin typeface="Trebuchet MS"/>
+              <a:cs typeface="Trebuchet MS"/>
+            </a:endParaRPr>
+          </a:p>
+          <a:p>
+            <a:pPr marL="514350" indent="-514350">
+              <a:buAutoNum type="arabicParenR"/>
+            </a:pPr>
+            <a:endParaRPr lang="en-US" sz="3200" dirty="0">
+              <a:latin typeface="Trebuchet MS"/>
+              <a:cs typeface="Trebuchet MS"/>
+            </a:endParaRPr>
+          </a:p>
+          <a:p>
+            <a:pPr marL="514350" indent="-514350">
+              <a:buAutoNum type="arabicParenR"/>
+            </a:pPr>
+            <a:r>
+              <a:rPr lang="en-US" sz="3200" dirty="0" smtClean="0">
+                <a:latin typeface="Trebuchet MS"/>
+                <a:cs typeface="Trebuchet MS"/>
+              </a:rPr>
+              <a:t> Computation of </a:t>
+            </a:r>
+          </a:p>
+          <a:p>
+            <a:pPr marL="514350" indent="-514350">
+              <a:buAutoNum type="arabicParenR"/>
+            </a:pPr>
+            <a:endParaRPr lang="en-US" sz="3200" dirty="0">
+              <a:latin typeface="Trebuchet MS"/>
+              <a:cs typeface="Trebuchet MS"/>
+            </a:endParaRPr>
+          </a:p>
+          <a:p>
+            <a:endParaRPr lang="en-US" dirty="0" smtClean="0">
+              <a:latin typeface="Trebuchet MS"/>
+              <a:cs typeface="Trebuchet MS"/>
+            </a:endParaRPr>
+          </a:p>
+          <a:p>
+            <a:endParaRPr lang="en-US" dirty="0" smtClean="0">
+              <a:latin typeface="Trebuchet MS"/>
+              <a:cs typeface="Trebuchet MS"/>
+            </a:endParaRPr>
+          </a:p>
+          <a:p>
+            <a:r>
+              <a:rPr lang="en-US" dirty="0" smtClean="0">
+                <a:latin typeface="Trebuchet MS"/>
+                <a:cs typeface="Trebuchet MS"/>
+              </a:rPr>
+              <a:t>(repeat from step 1 until </a:t>
+            </a:r>
+            <a:r>
+              <a:rPr lang="en-US" dirty="0" smtClean="0">
+                <a:latin typeface="Trebuchet MS"/>
+                <a:cs typeface="Trebuchet MS"/>
+              </a:rPr>
+              <a:t>convergence)</a:t>
+            </a:r>
+          </a:p>
+        </p:txBody>
+      </p:sp>
+      <p:pic>
+        <p:nvPicPr>
+          <p:cNvPr id="3" name="Picture 2"/>
+          <p:cNvPicPr>
+            <a:picLocks noChangeAspect="1"/>
+          </p:cNvPicPr>
+          <p:nvPr/>
+        </p:nvPicPr>
+        <p:blipFill>
+          <a:blip r:embed="rId2"/>
+          <a:stretch>
+            <a:fillRect/>
+          </a:stretch>
+        </p:blipFill>
+        <p:spPr>
+          <a:xfrm>
+            <a:off x="4447866" y="871076"/>
+            <a:ext cx="2070100" cy="635000"/>
+          </a:xfrm>
+          <a:prstGeom prst="rect">
+            <a:avLst/>
+          </a:prstGeom>
+        </p:spPr>
+      </p:pic>
+      <p:pic>
+        <p:nvPicPr>
+          <p:cNvPr id="7" name="Picture 6" descr="Screen Shot 2016-05-03 at 10.37.05 AM.png"/>
+          <p:cNvPicPr>
+            <a:picLocks/>
+          </p:cNvPicPr>
+          <p:nvPr/>
+        </p:nvPicPr>
+        <p:blipFill>
+          <a:blip r:embed="rId3">
+            <a:alphaModFix/>
+            <a:extLst>
+              <a:ext uri="{28A0092B-C50C-407E-A947-70E740481C1C}">
+                <a14:useLocalDpi xmlns:a14="http://schemas.microsoft.com/office/drawing/2010/main" val="0"/>
+              </a:ext>
+            </a:extLst>
+          </a:blip>
+          <a:stretch>
+            <a:fillRect/>
+          </a:stretch>
+        </p:blipFill>
+        <p:spPr>
+          <a:xfrm>
+            <a:off x="4819716" y="2321762"/>
+            <a:ext cx="2346836" cy="1874093"/>
+          </a:xfrm>
+          <a:prstGeom prst="rect">
+            <a:avLst/>
+          </a:prstGeom>
+        </p:spPr>
+      </p:pic>
+      <p:pic>
+        <p:nvPicPr>
+          <p:cNvPr id="8" name="Picture 7" descr="Screen Shot 2016-05-03 at 10.28.33 AM.png"/>
+          <p:cNvPicPr>
+            <a:picLocks noChangeAspect="1"/>
+          </p:cNvPicPr>
+          <p:nvPr/>
+        </p:nvPicPr>
+        <p:blipFill>
+          <a:blip r:embed="rId4">
+            <a:extLst>
+              <a:ext uri="{28A0092B-C50C-407E-A947-70E740481C1C}">
+                <a14:useLocalDpi xmlns:a14="http://schemas.microsoft.com/office/drawing/2010/main" val="0"/>
+              </a:ext>
+            </a:extLst>
+          </a:blip>
+          <a:stretch>
+            <a:fillRect/>
+          </a:stretch>
+        </p:blipFill>
+        <p:spPr>
+          <a:xfrm>
+            <a:off x="4571506" y="4673644"/>
+            <a:ext cx="3626978" cy="2017143"/>
+          </a:xfrm>
+          <a:prstGeom prst="rect">
+            <a:avLst/>
+          </a:prstGeom>
+        </p:spPr>
+      </p:pic>
+      <p:sp>
+        <p:nvSpPr>
+          <p:cNvPr id="9" name="Rectangle 8"/>
+          <p:cNvSpPr/>
+          <p:nvPr/>
+        </p:nvSpPr>
+        <p:spPr>
+          <a:xfrm>
+            <a:off x="5837068" y="2375373"/>
+            <a:ext cx="1350335" cy="1850065"/>
+          </a:xfrm>
+          <a:prstGeom prst="rect">
+            <a:avLst/>
+          </a:prstGeom>
+          <a:solidFill>
+            <a:schemeClr val="bg1"/>
+          </a:solidFill>
+          <a:ln>
+            <a:noFill/>
+          </a:ln>
+          <a:effectLst/>
+        </p:spPr>
+        <p:style>
+          <a:lnRef idx="1">
+            <a:schemeClr val="accent1"/>
+          </a:lnRef>
+          <a:fillRef idx="3">
+            <a:schemeClr val="accent1"/>
+          </a:fillRef>
+          <a:effectRef idx="2">
+            <a:schemeClr val="accent1"/>
+          </a:effectRef>
+          <a:fontRef idx="minor">
+            <a:schemeClr val="lt1"/>
+          </a:fontRef>
+        </p:style>
+        <p:txBody>
+          <a:bodyPr rtlCol="0" anchor="ctr"/>
+          <a:lstStyle/>
+          <a:p>
+            <a:pPr algn="ctr"/>
+            <a:endParaRPr lang="en-US"/>
+          </a:p>
+        </p:txBody>
+      </p:sp>
+    </p:spTree>
+    <p:extLst>
+      <p:ext uri="{BB962C8B-B14F-4D97-AF65-F5344CB8AC3E}">
+        <p14:creationId xmlns:p14="http://schemas.microsoft.com/office/powerpoint/2010/main" val="1721766346"/>
+      </p:ext>
+    </p:extLst>
+  </p:cSld>
+  <p:clrMapOvr>
+    <a:masterClrMapping/>
+  </p:clrMapOvr>
+  <p:timing>
+    <p:tnLst>
+      <p:par>
+        <p:cTn id="1" dur="indefinite" restart="never" nodeType="tmRoot"/>
+      </p:par>
+    </p:tnLst>
+  </p:timing>
+</p:sld>
+</file>
+
+<file path=ppt/slides/slide7.xml><?xml version="1.0" encoding="utf-8"?>
+<p:sld xmlns:a="http://schemas.openxmlformats.org/drawingml/2006/main" xmlns:r="http://schemas.openxmlformats.org/officeDocument/2006/relationships" xmlns:p="http://schemas.openxmlformats.org/presentationml/2006/main">
+  <p:cSld>
+    <p:spTree>
+      <p:nvGrpSpPr>
+        <p:cNvPr id="1" name=""/>
+        <p:cNvGrpSpPr/>
+        <p:nvPr/>
+      </p:nvGrpSpPr>
+      <p:grpSpPr>
+        <a:xfrm>
+          <a:off x="0" y="0"/>
+          <a:ext cx="0" cy="0"/>
+          <a:chOff x="0" y="0"/>
+          <a:chExt cx="0" cy="0"/>
+        </a:xfrm>
+      </p:grpSpPr>
+      <p:sp>
+        <p:nvSpPr>
+          <p:cNvPr id="4" name="TextBox 3"/>
+          <p:cNvSpPr txBox="1"/>
+          <p:nvPr/>
+        </p:nvSpPr>
+        <p:spPr>
+          <a:xfrm>
+            <a:off x="344447" y="344379"/>
             <a:ext cx="3773589" cy="3539430"/>
           </a:xfrm>
           <a:prstGeom prst="rect">
@@ -6301,7 +7338,7 @@
 </p:sld>
 </file>
 
-<file path=ppt/slides/slide6.xml><?xml version="1.0" encoding="utf-8"?>
+<file path=ppt/slides/slide8.xml><?xml version="1.0" encoding="utf-8"?>
 <p:sld xmlns:a="http://schemas.openxmlformats.org/drawingml/2006/main" xmlns:r="http://schemas.openxmlformats.org/officeDocument/2006/relationships" xmlns:p="http://schemas.openxmlformats.org/presentationml/2006/main">
   <p:cSld>
     <p:spTree>
@@ -6622,7 +7659,7 @@
 </p:sld>
 </file>
 
-<file path=ppt/slides/slide7.xml><?xml version="1.0" encoding="utf-8"?>
+<file path=ppt/slides/slide9.xml><?xml version="1.0" encoding="utf-8"?>
 <p:sld xmlns:a="http://schemas.openxmlformats.org/drawingml/2006/main" xmlns:r="http://schemas.openxmlformats.org/officeDocument/2006/relationships" xmlns:p="http://schemas.openxmlformats.org/presentationml/2006/main">
   <p:cSld>
     <p:spTree>
@@ -6779,540 +7816,6 @@
     <p:extLst>
       <p:ext uri="{BB962C8B-B14F-4D97-AF65-F5344CB8AC3E}">
         <p14:creationId xmlns:p14="http://schemas.microsoft.com/office/powerpoint/2010/main" val="1752541498"/>
-      </p:ext>
-    </p:extLst>
-  </p:cSld>
-  <p:clrMapOvr>
-    <a:masterClrMapping/>
-  </p:clrMapOvr>
-  <p:timing>
-    <p:tnLst>
-      <p:par>
-        <p:cTn id="1" dur="indefinite" restart="never" nodeType="tmRoot"/>
-      </p:par>
-    </p:tnLst>
-  </p:timing>
-</p:sld>
-</file>
-
-<file path=ppt/slides/slide8.xml><?xml version="1.0" encoding="utf-8"?>
-<p:sld xmlns:a="http://schemas.openxmlformats.org/drawingml/2006/main" xmlns:r="http://schemas.openxmlformats.org/officeDocument/2006/relationships" xmlns:p="http://schemas.openxmlformats.org/presentationml/2006/main">
-  <p:cSld>
-    <p:spTree>
-      <p:nvGrpSpPr>
-        <p:cNvPr id="1" name=""/>
-        <p:cNvGrpSpPr/>
-        <p:nvPr/>
-      </p:nvGrpSpPr>
-      <p:grpSpPr>
-        <a:xfrm>
-          <a:off x="0" y="0"/>
-          <a:ext cx="0" cy="0"/>
-          <a:chOff x="0" y="0"/>
-          <a:chExt cx="0" cy="0"/>
-        </a:xfrm>
-      </p:grpSpPr>
-      <p:sp>
-        <p:nvSpPr>
-          <p:cNvPr id="4" name="TextBox 3"/>
-          <p:cNvSpPr txBox="1"/>
-          <p:nvPr/>
-        </p:nvSpPr>
-        <p:spPr>
-          <a:xfrm>
-            <a:off x="344447" y="344379"/>
-            <a:ext cx="8509661" cy="584776"/>
-          </a:xfrm>
-          <a:prstGeom prst="rect">
-            <a:avLst/>
-          </a:prstGeom>
-          <a:noFill/>
-        </p:spPr>
-        <p:txBody>
-          <a:bodyPr wrap="none" rtlCol="0">
-            <a:spAutoFit/>
-          </a:bodyPr>
-          <a:lstStyle/>
-          <a:p>
-            <a:r>
-              <a:rPr lang="en-US" sz="3200" dirty="0" smtClean="0">
-                <a:latin typeface="Trebuchet MS"/>
-                <a:cs typeface="Trebuchet MS"/>
-              </a:rPr>
-              <a:t>Using gradient descent at the (r+1) iteration:</a:t>
-            </a:r>
-          </a:p>
-        </p:txBody>
-      </p:sp>
-      <p:pic>
-        <p:nvPicPr>
-          <p:cNvPr id="5" name="Picture 4" descr="Screen Shot 2016-05-03 at 10.28.33 AM.png"/>
-          <p:cNvPicPr>
-            <a:picLocks noChangeAspect="1"/>
-          </p:cNvPicPr>
-          <p:nvPr/>
-        </p:nvPicPr>
-        <p:blipFill>
-          <a:blip r:embed="rId2">
-            <a:extLst>
-              <a:ext uri="{28A0092B-C50C-407E-A947-70E740481C1C}">
-                <a14:useLocalDpi xmlns:a14="http://schemas.microsoft.com/office/drawing/2010/main" val="0"/>
-              </a:ext>
-            </a:extLst>
-          </a:blip>
-          <a:stretch>
-            <a:fillRect/>
-          </a:stretch>
-        </p:blipFill>
-        <p:spPr>
-          <a:xfrm>
-            <a:off x="859526" y="1799398"/>
-            <a:ext cx="7219475" cy="4015109"/>
-          </a:xfrm>
-          <a:prstGeom prst="rect">
-            <a:avLst/>
-          </a:prstGeom>
-        </p:spPr>
-      </p:pic>
-      <p:sp>
-        <p:nvSpPr>
-          <p:cNvPr id="6" name="TextBox 5"/>
-          <p:cNvSpPr txBox="1"/>
-          <p:nvPr/>
-        </p:nvSpPr>
-        <p:spPr>
-          <a:xfrm>
-            <a:off x="1922732" y="6209687"/>
-            <a:ext cx="1570337" cy="369332"/>
-          </a:xfrm>
-          <a:prstGeom prst="rect">
-            <a:avLst/>
-          </a:prstGeom>
-          <a:noFill/>
-        </p:spPr>
-        <p:txBody>
-          <a:bodyPr wrap="none" rtlCol="0">
-            <a:spAutoFit/>
-          </a:bodyPr>
-          <a:lstStyle/>
-          <a:p>
-            <a:r>
-              <a:rPr lang="en-US" dirty="0" smtClean="0">
-                <a:latin typeface="Trebuchet MS"/>
-                <a:cs typeface="Trebuchet MS"/>
-              </a:rPr>
-              <a:t>Learning rate</a:t>
-            </a:r>
-            <a:endParaRPr lang="en-US" dirty="0">
-              <a:latin typeface="Trebuchet MS"/>
-              <a:cs typeface="Trebuchet MS"/>
-            </a:endParaRPr>
-          </a:p>
-        </p:txBody>
-      </p:sp>
-      <p:cxnSp>
-        <p:nvCxnSpPr>
-          <p:cNvPr id="11" name="Straight Arrow Connector 10"/>
-          <p:cNvCxnSpPr/>
-          <p:nvPr/>
-        </p:nvCxnSpPr>
-        <p:spPr>
-          <a:xfrm flipH="1">
-            <a:off x="3386830" y="4992448"/>
-            <a:ext cx="1569937" cy="1111393"/>
-          </a:xfrm>
-          <a:prstGeom prst="straightConnector1">
-            <a:avLst/>
-          </a:prstGeom>
-          <a:ln>
-            <a:tailEnd type="arrow"/>
-          </a:ln>
-        </p:spPr>
-        <p:style>
-          <a:lnRef idx="2">
-            <a:schemeClr val="accent1"/>
-          </a:lnRef>
-          <a:fillRef idx="0">
-            <a:schemeClr val="accent1"/>
-          </a:fillRef>
-          <a:effectRef idx="1">
-            <a:schemeClr val="accent1"/>
-          </a:effectRef>
-          <a:fontRef idx="minor">
-            <a:schemeClr val="tx1"/>
-          </a:fontRef>
-        </p:style>
-      </p:cxnSp>
-    </p:spTree>
-    <p:extLst>
-      <p:ext uri="{BB962C8B-B14F-4D97-AF65-F5344CB8AC3E}">
-        <p14:creationId xmlns:p14="http://schemas.microsoft.com/office/powerpoint/2010/main" val="2243568549"/>
-      </p:ext>
-    </p:extLst>
-  </p:cSld>
-  <p:clrMapOvr>
-    <a:masterClrMapping/>
-  </p:clrMapOvr>
-  <p:timing>
-    <p:tnLst>
-      <p:par>
-        <p:cTn id="1" dur="indefinite" restart="never" nodeType="tmRoot"/>
-      </p:par>
-    </p:tnLst>
-  </p:timing>
-</p:sld>
-</file>
-
-<file path=ppt/slides/slide9.xml><?xml version="1.0" encoding="utf-8"?>
-<p:sld xmlns:a="http://schemas.openxmlformats.org/drawingml/2006/main" xmlns:r="http://schemas.openxmlformats.org/officeDocument/2006/relationships" xmlns:p="http://schemas.openxmlformats.org/presentationml/2006/main">
-  <p:cSld>
-    <p:spTree>
-      <p:nvGrpSpPr>
-        <p:cNvPr id="1" name=""/>
-        <p:cNvGrpSpPr/>
-        <p:nvPr/>
-      </p:nvGrpSpPr>
-      <p:grpSpPr>
-        <a:xfrm>
-          <a:off x="0" y="0"/>
-          <a:ext cx="0" cy="0"/>
-          <a:chOff x="0" y="0"/>
-          <a:chExt cx="0" cy="0"/>
-        </a:xfrm>
-      </p:grpSpPr>
-      <p:sp>
-        <p:nvSpPr>
-          <p:cNvPr id="2" name="TextBox 1"/>
-          <p:cNvSpPr txBox="1"/>
-          <p:nvPr/>
-        </p:nvSpPr>
-        <p:spPr>
-          <a:xfrm>
-            <a:off x="344447" y="-26082"/>
-            <a:ext cx="5344733" cy="6832640"/>
-          </a:xfrm>
-          <a:prstGeom prst="rect">
-            <a:avLst/>
-          </a:prstGeom>
-          <a:noFill/>
-        </p:spPr>
-        <p:txBody>
-          <a:bodyPr wrap="none" rtlCol="0">
-            <a:spAutoFit/>
-          </a:bodyPr>
-          <a:lstStyle/>
-          <a:p>
-            <a:r>
-              <a:rPr lang="en-US" sz="3200" dirty="0" smtClean="0">
-                <a:latin typeface="Trebuchet MS"/>
-                <a:cs typeface="Trebuchet MS"/>
-              </a:rPr>
-              <a:t>Back-propagation:</a:t>
-            </a:r>
-          </a:p>
-          <a:p>
-            <a:endParaRPr lang="en-US" sz="3200" dirty="0" smtClean="0">
-              <a:latin typeface="Trebuchet MS"/>
-              <a:cs typeface="Trebuchet MS"/>
-            </a:endParaRPr>
-          </a:p>
-          <a:p>
-            <a:r>
-              <a:rPr lang="en-US" sz="3200" dirty="0" smtClean="0">
-                <a:latin typeface="Trebuchet MS"/>
-                <a:cs typeface="Trebuchet MS"/>
-              </a:rPr>
-              <a:t>0) Starting values for</a:t>
-            </a:r>
-          </a:p>
-          <a:p>
-            <a:endParaRPr lang="en-US" sz="3200" dirty="0" smtClean="0">
-              <a:latin typeface="Trebuchet MS"/>
-              <a:cs typeface="Trebuchet MS"/>
-            </a:endParaRPr>
-          </a:p>
-          <a:p>
-            <a:pPr marL="514350" indent="-514350">
-              <a:buAutoNum type="arabicParenR"/>
-            </a:pPr>
-            <a:r>
-              <a:rPr lang="en-US" sz="3200" dirty="0" smtClean="0">
-                <a:latin typeface="Trebuchet MS"/>
-                <a:cs typeface="Trebuchet MS"/>
-              </a:rPr>
-              <a:t>Computation of         and</a:t>
-            </a:r>
-          </a:p>
-          <a:p>
-            <a:pPr marL="514350" indent="-514350">
-              <a:buAutoNum type="arabicParenR"/>
-            </a:pPr>
-            <a:endParaRPr lang="en-US" sz="3200" dirty="0">
-              <a:latin typeface="Trebuchet MS"/>
-              <a:cs typeface="Trebuchet MS"/>
-            </a:endParaRPr>
-          </a:p>
-          <a:p>
-            <a:pPr marL="514350" indent="-514350">
-              <a:buAutoNum type="arabicParenR"/>
-            </a:pPr>
-            <a:r>
-              <a:rPr lang="en-US" sz="3200" dirty="0" smtClean="0">
-                <a:latin typeface="Trebuchet MS"/>
-                <a:cs typeface="Trebuchet MS"/>
-              </a:rPr>
-              <a:t>Computation of        and</a:t>
-            </a:r>
-          </a:p>
-          <a:p>
-            <a:pPr marL="514350" indent="-514350">
-              <a:buAutoNum type="arabicParenR"/>
-            </a:pPr>
-            <a:endParaRPr lang="en-US" sz="3200" dirty="0">
-              <a:latin typeface="Trebuchet MS"/>
-              <a:cs typeface="Trebuchet MS"/>
-            </a:endParaRPr>
-          </a:p>
-          <a:p>
-            <a:pPr marL="514350" indent="-514350">
-              <a:buAutoNum type="arabicParenR"/>
-            </a:pPr>
-            <a:r>
-              <a:rPr lang="en-US" sz="3200" dirty="0" smtClean="0">
-                <a:latin typeface="Trebuchet MS"/>
-                <a:cs typeface="Trebuchet MS"/>
-              </a:rPr>
-              <a:t>Computation of</a:t>
-            </a:r>
-          </a:p>
-          <a:p>
-            <a:pPr marL="514350" indent="-514350">
-              <a:buAutoNum type="arabicParenR"/>
-            </a:pPr>
-            <a:endParaRPr lang="en-US" sz="3200" dirty="0">
-              <a:latin typeface="Trebuchet MS"/>
-              <a:cs typeface="Trebuchet MS"/>
-            </a:endParaRPr>
-          </a:p>
-          <a:p>
-            <a:pPr marL="514350" indent="-514350">
-              <a:buAutoNum type="arabicParenR"/>
-            </a:pPr>
-            <a:r>
-              <a:rPr lang="en-US" sz="3200" dirty="0" smtClean="0">
-                <a:latin typeface="Trebuchet MS"/>
-                <a:cs typeface="Trebuchet MS"/>
-              </a:rPr>
-              <a:t> Computation of </a:t>
-            </a:r>
-          </a:p>
-          <a:p>
-            <a:pPr marL="514350" indent="-514350">
-              <a:buAutoNum type="arabicParenR"/>
-            </a:pPr>
-            <a:endParaRPr lang="en-US" sz="3200" dirty="0">
-              <a:latin typeface="Trebuchet MS"/>
-              <a:cs typeface="Trebuchet MS"/>
-            </a:endParaRPr>
-          </a:p>
-          <a:p>
-            <a:endParaRPr lang="en-US" dirty="0" smtClean="0">
-              <a:latin typeface="Trebuchet MS"/>
-              <a:cs typeface="Trebuchet MS"/>
-            </a:endParaRPr>
-          </a:p>
-          <a:p>
-            <a:endParaRPr lang="en-US" dirty="0" smtClean="0">
-              <a:latin typeface="Trebuchet MS"/>
-              <a:cs typeface="Trebuchet MS"/>
-            </a:endParaRPr>
-          </a:p>
-          <a:p>
-            <a:r>
-              <a:rPr lang="en-US" dirty="0" smtClean="0">
-                <a:latin typeface="Trebuchet MS"/>
-                <a:cs typeface="Trebuchet MS"/>
-              </a:rPr>
-              <a:t>(</a:t>
-            </a:r>
-            <a:r>
-              <a:rPr lang="en-US" smtClean="0">
-                <a:latin typeface="Trebuchet MS"/>
-                <a:cs typeface="Trebuchet MS"/>
-              </a:rPr>
-              <a:t>repeat from step 1 until </a:t>
-            </a:r>
-            <a:r>
-              <a:rPr lang="en-US" dirty="0" smtClean="0">
-                <a:latin typeface="Trebuchet MS"/>
-                <a:cs typeface="Trebuchet MS"/>
-              </a:rPr>
-              <a:t>convergence)</a:t>
-            </a:r>
-          </a:p>
-        </p:txBody>
-      </p:sp>
-      <p:pic>
-        <p:nvPicPr>
-          <p:cNvPr id="3" name="Picture 2"/>
-          <p:cNvPicPr>
-            <a:picLocks noChangeAspect="1"/>
-          </p:cNvPicPr>
-          <p:nvPr/>
-        </p:nvPicPr>
-        <p:blipFill>
-          <a:blip r:embed="rId2"/>
-          <a:stretch>
-            <a:fillRect/>
-          </a:stretch>
-        </p:blipFill>
-        <p:spPr>
-          <a:xfrm>
-            <a:off x="4447866" y="871076"/>
-            <a:ext cx="2070100" cy="635000"/>
-          </a:xfrm>
-          <a:prstGeom prst="rect">
-            <a:avLst/>
-          </a:prstGeom>
-        </p:spPr>
-      </p:pic>
-      <p:pic>
-        <p:nvPicPr>
-          <p:cNvPr id="4" name="Picture 3"/>
-          <p:cNvPicPr>
-            <a:picLocks noChangeAspect="1"/>
-          </p:cNvPicPr>
-          <p:nvPr/>
-        </p:nvPicPr>
-        <p:blipFill>
-          <a:blip r:embed="rId3"/>
-          <a:stretch>
-            <a:fillRect/>
-          </a:stretch>
-        </p:blipFill>
-        <p:spPr>
-          <a:xfrm>
-            <a:off x="5751800" y="1988105"/>
-            <a:ext cx="1155700" cy="469900"/>
-          </a:xfrm>
-          <a:prstGeom prst="rect">
-            <a:avLst/>
-          </a:prstGeom>
-        </p:spPr>
-      </p:pic>
-      <p:pic>
-        <p:nvPicPr>
-          <p:cNvPr id="5" name="Picture 4"/>
-          <p:cNvPicPr>
-            <a:picLocks noChangeAspect="1"/>
-          </p:cNvPicPr>
-          <p:nvPr/>
-        </p:nvPicPr>
-        <p:blipFill>
-          <a:blip r:embed="rId4"/>
-          <a:stretch>
-            <a:fillRect/>
-          </a:stretch>
-        </p:blipFill>
-        <p:spPr>
-          <a:xfrm>
-            <a:off x="3994840" y="2124994"/>
-            <a:ext cx="647700" cy="279400"/>
-          </a:xfrm>
-          <a:prstGeom prst="rect">
-            <a:avLst/>
-          </a:prstGeom>
-        </p:spPr>
-      </p:pic>
-      <p:pic>
-        <p:nvPicPr>
-          <p:cNvPr id="6" name="Picture 5"/>
-          <p:cNvPicPr>
-            <a:picLocks noChangeAspect="1"/>
-          </p:cNvPicPr>
-          <p:nvPr/>
-        </p:nvPicPr>
-        <p:blipFill>
-          <a:blip r:embed="rId5"/>
-          <a:stretch>
-            <a:fillRect/>
-          </a:stretch>
-        </p:blipFill>
-        <p:spPr>
-          <a:xfrm>
-            <a:off x="3988530" y="2996467"/>
-            <a:ext cx="2260600" cy="406400"/>
-          </a:xfrm>
-          <a:prstGeom prst="rect">
-            <a:avLst/>
-          </a:prstGeom>
-        </p:spPr>
-      </p:pic>
-      <p:pic>
-        <p:nvPicPr>
-          <p:cNvPr id="7" name="Picture 6" descr="Screen Shot 2016-05-03 at 10.37.05 AM.png"/>
-          <p:cNvPicPr>
-            <a:picLocks/>
-          </p:cNvPicPr>
-          <p:nvPr/>
-        </p:nvPicPr>
-        <p:blipFill>
-          <a:blip r:embed="rId6">
-            <a:alphaModFix/>
-            <a:extLst>
-              <a:ext uri="{28A0092B-C50C-407E-A947-70E740481C1C}">
-                <a14:useLocalDpi xmlns:a14="http://schemas.microsoft.com/office/drawing/2010/main" val="0"/>
-              </a:ext>
-            </a:extLst>
-          </a:blip>
-          <a:stretch>
-            <a:fillRect/>
-          </a:stretch>
-        </p:blipFill>
-        <p:spPr>
-          <a:xfrm>
-            <a:off x="4205166" y="3475313"/>
-            <a:ext cx="1580670" cy="1393652"/>
-          </a:xfrm>
-          <a:prstGeom prst="rect">
-            <a:avLst/>
-          </a:prstGeom>
-        </p:spPr>
-      </p:pic>
-      <p:pic>
-        <p:nvPicPr>
-          <p:cNvPr id="8" name="Picture 7" descr="Screen Shot 2016-05-03 at 10.28.33 AM.png"/>
-          <p:cNvPicPr>
-            <a:picLocks noChangeAspect="1"/>
-          </p:cNvPicPr>
-          <p:nvPr/>
-        </p:nvPicPr>
-        <p:blipFill>
-          <a:blip r:embed="rId7">
-            <a:extLst>
-              <a:ext uri="{28A0092B-C50C-407E-A947-70E740481C1C}">
-                <a14:useLocalDpi xmlns:a14="http://schemas.microsoft.com/office/drawing/2010/main" val="0"/>
-              </a:ext>
-            </a:extLst>
-          </a:blip>
-          <a:stretch>
-            <a:fillRect/>
-          </a:stretch>
-        </p:blipFill>
-        <p:spPr>
-          <a:xfrm>
-            <a:off x="3981761" y="4866152"/>
-            <a:ext cx="2915378" cy="1621387"/>
-          </a:xfrm>
-          <a:prstGeom prst="rect">
-            <a:avLst/>
-          </a:prstGeom>
-        </p:spPr>
-      </p:pic>
-    </p:spTree>
-    <p:extLst>
-      <p:ext uri="{BB962C8B-B14F-4D97-AF65-F5344CB8AC3E}">
-        <p14:creationId xmlns:p14="http://schemas.microsoft.com/office/powerpoint/2010/main" val="1095160"/>
       </p:ext>
     </p:extLst>
   </p:cSld>
